--- a/archive/2022年度　統計学関連/06_ch6_中心極限定理/統計学_ch6.pptx
+++ b/archive/2022年度　統計学関連/06_ch6_中心極限定理/統計学_ch6.pptx
@@ -229,7 +229,7 @@
           <a:p>
             <a:fld id="{1895A64F-7672-4A38-B12D-41B8FA3C90DE}" type="datetimeFigureOut">
               <a:rPr kumimoji="1" lang="ja-JP" altLang="en-US" smtClean="0"/>
-              <a:t>2021/10/20</a:t>
+              <a:t>2023/8/31</a:t>
             </a:fld>
             <a:endParaRPr kumimoji="1" lang="ja-JP" altLang="en-US"/>
           </a:p>
@@ -8598,8 +8598,8 @@
           </a:p>
         </p:txBody>
       </p:sp>
-      <mc:AlternateContent xmlns:mc="http://schemas.openxmlformats.org/markup-compatibility/2006" xmlns:a14="http://schemas.microsoft.com/office/drawing/2010/main">
-        <mc:Choice Requires="a14">
+      <mc:AlternateContent xmlns:mc="http://schemas.openxmlformats.org/markup-compatibility/2006">
+        <mc:Choice xmlns:a14="http://schemas.microsoft.com/office/drawing/2010/main" Requires="a14">
           <p:sp>
             <p:nvSpPr>
               <p:cNvPr id="3" name="コンテンツ プレースホルダー 2"/>
@@ -9123,6 +9123,22 @@
                 </a:endParaRPr>
               </a:p>
               <a:p>
+                <a:pPr lvl="2"/>
+                <a:endParaRPr lang="en-US" altLang="ja-JP" dirty="0">
+                  <a:solidFill>
+                    <a:schemeClr val="bg1"/>
+                  </a:solidFill>
+                </a:endParaRPr>
+              </a:p>
+              <a:p>
+                <a:pPr lvl="2"/>
+                <a:endParaRPr kumimoji="1" lang="en-US" altLang="ja-JP" dirty="0">
+                  <a:solidFill>
+                    <a:schemeClr val="bg1"/>
+                  </a:solidFill>
+                </a:endParaRPr>
+              </a:p>
+              <a:p>
                 <a14:m>
                   <m:oMath xmlns:m="http://schemas.openxmlformats.org/officeDocument/2006/math">
                     <m:r>
@@ -9294,7 +9310,7 @@
             </p:txBody>
           </p:sp>
         </mc:Choice>
-        <mc:Fallback xmlns="">
+        <mc:Fallback>
           <p:sp>
             <p:nvSpPr>
               <p:cNvPr id="3" name="コンテンツ プレースホルダー 2"/>
@@ -9310,10 +9326,10 @@
                 <a:off x="0" y="908720"/>
                 <a:ext cx="9144000" cy="5616624"/>
               </a:xfrm>
-              <a:blipFill rotWithShape="1">
+              <a:blipFill>
                 <a:blip r:embed="rId2"/>
                 <a:stretch>
-                  <a:fillRect l="-1667" t="-1412"/>
+                  <a:fillRect l="-2222" t="-1354"/>
                 </a:stretch>
               </a:blipFill>
             </p:spPr>
@@ -9322,7 +9338,7 @@
               <a:lstStyle/>
               <a:p>
                 <a:r>
-                  <a:rPr lang="ja-JP" altLang="en-US">
+                  <a:rPr lang="en-JP">
                     <a:noFill/>
                   </a:rPr>
                   <a:t> </a:t>
@@ -9355,7 +9371,7 @@
         </p:blipFill>
         <p:spPr bwMode="auto">
           <a:xfrm>
-            <a:off x="3467577" y="1484784"/>
+            <a:off x="1259632" y="1556792"/>
             <a:ext cx="5494552" cy="2911576"/>
           </a:xfrm>
           <a:prstGeom prst="rect">
@@ -9743,8 +9759,8 @@
           </a:p>
         </p:txBody>
       </p:sp>
-      <mc:AlternateContent xmlns:mc="http://schemas.openxmlformats.org/markup-compatibility/2006" xmlns:a14="http://schemas.microsoft.com/office/drawing/2010/main">
-        <mc:Choice Requires="a14">
+      <mc:AlternateContent xmlns:mc="http://schemas.openxmlformats.org/markup-compatibility/2006">
+        <mc:Choice xmlns:a14="http://schemas.microsoft.com/office/drawing/2010/main" Requires="a14">
           <p:sp>
             <p:nvSpPr>
               <p:cNvPr id="3" name="コンテンツ プレースホルダー 2"/>
@@ -9927,9 +9943,8 @@
                         </m:r>
                       </m:num>
                       <m:den>
-                        <m:rad>
-                          <m:radPr>
-                            <m:degHide m:val="on"/>
+                        <m:eqArr>
+                          <m:eqArrPr>
                             <m:ctrlPr>
                               <a:rPr kumimoji="1" lang="en-US" altLang="ja-JP" b="0" i="1" smtClean="0">
                                 <a:solidFill>
@@ -9938,29 +9953,11 @@
                                 <a:latin typeface="Cambria Math" panose="02040503050406030204" pitchFamily="18" charset="0"/>
                               </a:rPr>
                             </m:ctrlPr>
-                          </m:radPr>
-                          <m:deg/>
+                          </m:eqArrPr>
+                          <m:e/>
                           <m:e>
-                            <m:r>
-                              <a:rPr kumimoji="1" lang="en-US" altLang="ja-JP" b="0" i="1" smtClean="0">
-                                <a:solidFill>
-                                  <a:schemeClr val="bg1"/>
-                                </a:solidFill>
-                                <a:latin typeface="Cambria Math"/>
-                              </a:rPr>
-                              <m:t>2</m:t>
-                            </m:r>
-                            <m:r>
-                              <a:rPr kumimoji="1" lang="en-US" altLang="ja-JP" b="0" i="1" smtClean="0">
-                                <a:solidFill>
-                                  <a:schemeClr val="bg1"/>
-                                </a:solidFill>
-                                <a:latin typeface="Cambria Math"/>
-                              </a:rPr>
-                              <m:t>𝜋</m:t>
-                            </m:r>
-                            <m:sSubSup>
-                              <m:sSubSupPr>
+                            <m:eqArr>
+                              <m:eqArrPr>
                                 <m:ctrlPr>
                                   <a:rPr kumimoji="1" lang="en-US" altLang="ja-JP" b="0" i="1" smtClean="0">
                                     <a:solidFill>
@@ -9969,43 +9966,122 @@
                                     <a:latin typeface="Cambria Math" panose="02040503050406030204" pitchFamily="18" charset="0"/>
                                   </a:rPr>
                                 </m:ctrlPr>
-                              </m:sSubSupPr>
+                              </m:eqArrPr>
+                              <m:e/>
                               <m:e>
-                                <m:r>
-                                  <a:rPr kumimoji="1" lang="en-US" altLang="ja-JP" b="0" i="1" smtClean="0">
-                                    <a:solidFill>
-                                      <a:schemeClr val="bg1"/>
-                                    </a:solidFill>
-                                    <a:latin typeface="Cambria Math"/>
-                                  </a:rPr>
-                                  <m:t>𝜎</m:t>
-                                </m:r>
+                                <m:eqArr>
+                                  <m:eqArrPr>
+                                    <m:ctrlPr>
+                                      <a:rPr kumimoji="1" lang="en-US" altLang="ja-JP" b="0" i="1" smtClean="0">
+                                        <a:solidFill>
+                                          <a:schemeClr val="bg1"/>
+                                        </a:solidFill>
+                                        <a:latin typeface="Cambria Math" panose="02040503050406030204" pitchFamily="18" charset="0"/>
+                                      </a:rPr>
+                                    </m:ctrlPr>
+                                  </m:eqArrPr>
+                                  <m:e/>
+                                  <m:e>
+                                    <m:eqArr>
+                                      <m:eqArrPr>
+                                        <m:ctrlPr>
+                                          <a:rPr kumimoji="1" lang="en-US" altLang="ja-JP" b="0" i="1" smtClean="0">
+                                            <a:solidFill>
+                                              <a:schemeClr val="bg1"/>
+                                            </a:solidFill>
+                                            <a:latin typeface="Cambria Math" panose="02040503050406030204" pitchFamily="18" charset="0"/>
+                                          </a:rPr>
+                                        </m:ctrlPr>
+                                      </m:eqArrPr>
+                                      <m:e/>
+                                      <m:e>
+                                        <m:rad>
+                                          <m:radPr>
+                                            <m:degHide m:val="on"/>
+                                            <m:ctrlPr>
+                                              <a:rPr kumimoji="1" lang="en-US" altLang="ja-JP" b="0" i="1" smtClean="0">
+                                                <a:solidFill>
+                                                  <a:schemeClr val="bg1"/>
+                                                </a:solidFill>
+                                                <a:latin typeface="Cambria Math" panose="02040503050406030204" pitchFamily="18" charset="0"/>
+                                              </a:rPr>
+                                            </m:ctrlPr>
+                                          </m:radPr>
+                                          <m:deg/>
+                                          <m:e>
+                                            <m:r>
+                                              <a:rPr kumimoji="1" lang="en-US" altLang="ja-JP" b="0" i="1" smtClean="0">
+                                                <a:solidFill>
+                                                  <a:schemeClr val="bg1"/>
+                                                </a:solidFill>
+                                                <a:latin typeface="Cambria Math"/>
+                                              </a:rPr>
+                                              <m:t>2</m:t>
+                                            </m:r>
+                                            <m:r>
+                                              <a:rPr kumimoji="1" lang="en-US" altLang="ja-JP" b="0" i="1" smtClean="0">
+                                                <a:solidFill>
+                                                  <a:schemeClr val="bg1"/>
+                                                </a:solidFill>
+                                                <a:latin typeface="Cambria Math"/>
+                                              </a:rPr>
+                                              <m:t>𝜋</m:t>
+                                            </m:r>
+                                            <m:sSubSup>
+                                              <m:sSubSupPr>
+                                                <m:ctrlPr>
+                                                  <a:rPr kumimoji="1" lang="en-US" altLang="ja-JP" b="0" i="1" smtClean="0">
+                                                    <a:solidFill>
+                                                      <a:schemeClr val="bg1"/>
+                                                    </a:solidFill>
+                                                    <a:latin typeface="Cambria Math" panose="02040503050406030204" pitchFamily="18" charset="0"/>
+                                                  </a:rPr>
+                                                </m:ctrlPr>
+                                              </m:sSubSupPr>
+                                              <m:e>
+                                                <m:r>
+                                                  <a:rPr kumimoji="1" lang="en-US" altLang="ja-JP" b="0" i="1" smtClean="0">
+                                                    <a:solidFill>
+                                                      <a:schemeClr val="bg1"/>
+                                                    </a:solidFill>
+                                                    <a:latin typeface="Cambria Math"/>
+                                                  </a:rPr>
+                                                  <m:t>𝜎</m:t>
+                                                </m:r>
+                                              </m:e>
+                                              <m:sub>
+                                                <m:r>
+                                                  <a:rPr kumimoji="1" lang="en-US" altLang="ja-JP" b="0" i="1" smtClean="0">
+                                                    <a:solidFill>
+                                                      <a:schemeClr val="bg1"/>
+                                                    </a:solidFill>
+                                                    <a:latin typeface="Cambria Math"/>
+                                                  </a:rPr>
+                                                  <m:t>𝑋</m:t>
+                                                </m:r>
+                                              </m:sub>
+                                              <m:sup>
+                                                <m:r>
+                                                  <a:rPr kumimoji="1" lang="en-US" altLang="ja-JP" b="0" i="1" smtClean="0">
+                                                    <a:solidFill>
+                                                      <a:schemeClr val="bg1"/>
+                                                    </a:solidFill>
+                                                    <a:latin typeface="Cambria Math"/>
+                                                  </a:rPr>
+                                                  <m:t>2</m:t>
+                                                </m:r>
+                                              </m:sup>
+                                            </m:sSubSup>
+                                          </m:e>
+                                        </m:rad>
+                                      </m:e>
+                                    </m:eqArr>
+                                  </m:e>
+                                </m:eqArr>
                               </m:e>
-                              <m:sub>
-                                <m:r>
-                                  <a:rPr kumimoji="1" lang="en-US" altLang="ja-JP" b="0" i="1" smtClean="0">
-                                    <a:solidFill>
-                                      <a:schemeClr val="bg1"/>
-                                    </a:solidFill>
-                                    <a:latin typeface="Cambria Math"/>
-                                  </a:rPr>
-                                  <m:t>𝑋</m:t>
-                                </m:r>
-                              </m:sub>
-                              <m:sup>
-                                <m:r>
-                                  <a:rPr kumimoji="1" lang="en-US" altLang="ja-JP" b="0" i="1" smtClean="0">
-                                    <a:solidFill>
-                                      <a:schemeClr val="bg1"/>
-                                    </a:solidFill>
-                                    <a:latin typeface="Cambria Math"/>
-                                  </a:rPr>
-                                  <m:t>2</m:t>
-                                </m:r>
-                              </m:sup>
-                            </m:sSubSup>
+                            </m:eqArr>
                           </m:e>
-                        </m:rad>
+                        </m:eqArr>
                       </m:den>
                     </m:f>
                     <m:func>
@@ -10449,7 +10525,7 @@
             </p:txBody>
           </p:sp>
         </mc:Choice>
-        <mc:Fallback xmlns="">
+        <mc:Fallback>
           <p:sp>
             <p:nvSpPr>
               <p:cNvPr id="3" name="コンテンツ プレースホルダー 2"/>
@@ -10465,10 +10541,10 @@
                 <a:off x="0" y="908720"/>
                 <a:ext cx="9144000" cy="5616624"/>
               </a:xfrm>
-              <a:blipFill rotWithShape="1">
+              <a:blipFill>
                 <a:blip r:embed="rId2"/>
                 <a:stretch>
-                  <a:fillRect l="-1667" t="-1412"/>
+                  <a:fillRect l="-2222" t="-1354"/>
                 </a:stretch>
               </a:blipFill>
             </p:spPr>
@@ -10477,7 +10553,7 @@
               <a:lstStyle/>
               <a:p>
                 <a:r>
-                  <a:rPr lang="ja-JP" altLang="en-US">
+                  <a:rPr lang="en-JP">
                     <a:noFill/>
                   </a:rPr>
                   <a:t> </a:t>
@@ -10692,8 +10768,8 @@
           </a:p>
         </p:txBody>
       </p:sp>
-      <mc:AlternateContent xmlns:mc="http://schemas.openxmlformats.org/markup-compatibility/2006" xmlns:a14="http://schemas.microsoft.com/office/drawing/2010/main">
-        <mc:Choice Requires="a14">
+      <mc:AlternateContent xmlns:mc="http://schemas.openxmlformats.org/markup-compatibility/2006">
+        <mc:Choice xmlns:a14="http://schemas.microsoft.com/office/drawing/2010/main" Requires="a14">
           <p:sp>
             <p:nvSpPr>
               <p:cNvPr id="3" name="コンテンツ プレースホルダー 2"/>
@@ -10853,6 +10929,37 @@
                       </a:rPr>
                       <m:t>=</m:t>
                     </m:r>
+                  </m:oMath>
+                </a14:m>
+                <a:endParaRPr kumimoji="1" lang="en-US" altLang="ja-JP" b="0" i="1" dirty="0">
+                  <a:solidFill>
+                    <a:schemeClr val="bg1"/>
+                  </a:solidFill>
+                  <a:latin typeface="Cambria Math"/>
+                </a:endParaRPr>
+              </a:p>
+              <a:p>
+                <a:pPr lvl="2"/>
+                <a:endParaRPr kumimoji="1" lang="en-US" altLang="ja-JP" b="0" i="1" dirty="0">
+                  <a:solidFill>
+                    <a:schemeClr val="bg1"/>
+                  </a:solidFill>
+                  <a:latin typeface="Cambria Math" panose="02040503050406030204" pitchFamily="18" charset="0"/>
+                </a:endParaRPr>
+              </a:p>
+              <a:p>
+                <a:pPr lvl="2"/>
+                <a:endParaRPr lang="en-US" altLang="ja-JP" i="1" dirty="0">
+                  <a:solidFill>
+                    <a:schemeClr val="bg1"/>
+                  </a:solidFill>
+                  <a:latin typeface="Cambria Math" panose="02040503050406030204" pitchFamily="18" charset="0"/>
+                </a:endParaRPr>
+              </a:p>
+              <a:p>
+                <a:pPr lvl="2"/>
+                <a14:m>
+                  <m:oMath xmlns:m="http://schemas.openxmlformats.org/officeDocument/2006/math">
                     <m:f>
                       <m:fPr>
                         <m:ctrlPr>
@@ -11398,7 +11505,7 @@
             </p:txBody>
           </p:sp>
         </mc:Choice>
-        <mc:Fallback xmlns="">
+        <mc:Fallback>
           <p:sp>
             <p:nvSpPr>
               <p:cNvPr id="3" name="コンテンツ プレースホルダー 2"/>
@@ -11414,10 +11521,10 @@
                 <a:off x="0" y="908720"/>
                 <a:ext cx="9144000" cy="5616624"/>
               </a:xfrm>
-              <a:blipFill rotWithShape="1">
+              <a:blipFill>
                 <a:blip r:embed="rId2"/>
                 <a:stretch>
-                  <a:fillRect l="-1667" t="-1412"/>
+                  <a:fillRect l="-2222" t="-1354"/>
                 </a:stretch>
               </a:blipFill>
             </p:spPr>
@@ -11426,7 +11533,7 @@
               <a:lstStyle/>
               <a:p>
                 <a:r>
-                  <a:rPr lang="ja-JP" altLang="en-US">
+                  <a:rPr lang="en-JP">
                     <a:noFill/>
                   </a:rPr>
                   <a:t> </a:t>
@@ -11459,7 +11566,7 @@
         </p:blipFill>
         <p:spPr bwMode="auto">
           <a:xfrm>
-            <a:off x="3470888" y="1484784"/>
+            <a:off x="3470888" y="1742062"/>
             <a:ext cx="5493600" cy="2911074"/>
           </a:xfrm>
           <a:prstGeom prst="rect">
@@ -11485,7 +11592,7 @@
         </p:nvSpPr>
         <p:spPr>
           <a:xfrm>
-            <a:off x="7020272" y="1268760"/>
+            <a:off x="7020272" y="1526038"/>
             <a:ext cx="1152128" cy="720080"/>
           </a:xfrm>
           <a:prstGeom prst="wedgeRoundRectCallout">
@@ -11552,7 +11659,7 @@
         </p:nvSpPr>
         <p:spPr>
           <a:xfrm>
-            <a:off x="7740352" y="2492896"/>
+            <a:off x="7740352" y="2750174"/>
             <a:ext cx="1152128" cy="720080"/>
           </a:xfrm>
           <a:prstGeom prst="wedgeRoundRectCallout">
@@ -16082,35 +16189,6 @@
           </mc:AlternateContent>
         </p:grpSp>
       </p:grpSp>
-      <p:sp>
-        <p:nvSpPr>
-          <p:cNvPr id="3" name="スライド番号プレースホルダー 2">
-            <a:extLst>
-              <a:ext uri="{FF2B5EF4-FFF2-40B4-BE49-F238E27FC236}">
-                <a16:creationId xmlns:a16="http://schemas.microsoft.com/office/drawing/2014/main" id="{6C104BA1-A3C1-4389-92D3-9372A42DC995}"/>
-              </a:ext>
-            </a:extLst>
-          </p:cNvPr>
-          <p:cNvSpPr>
-            <a:spLocks noGrp="1"/>
-          </p:cNvSpPr>
-          <p:nvPr>
-            <p:ph type="sldNum" sz="quarter" idx="12"/>
-          </p:nvPr>
-        </p:nvSpPr>
-        <p:spPr/>
-        <p:txBody>
-          <a:bodyPr/>
-          <a:lstStyle/>
-          <a:p>
-            <a:fld id="{83E4BC44-1CD2-4666-A5F4-A286043144FC}" type="slidenum">
-              <a:rPr kumimoji="1" lang="ja-JP" altLang="en-US" smtClean="0"/>
-              <a:t>9</a:t>
-            </a:fld>
-            <a:endParaRPr kumimoji="1" lang="ja-JP" altLang="en-US"/>
-          </a:p>
-        </p:txBody>
-      </p:sp>
     </p:spTree>
     <p:extLst>
       <p:ext uri="{BB962C8B-B14F-4D97-AF65-F5344CB8AC3E}">
